--- a/Jeopardy.pptx
+++ b/Jeopardy.pptx
@@ -1,6 +1,6 @@
 
 <file path=ppt/presentation.xml><?xml version="1.0" encoding="utf-8"?>
-<p:presentation xmlns:a="http://schemas.openxmlformats.org/drawingml/2006/main" xmlns:r="http://schemas.openxmlformats.org/officeDocument/2006/relationships" xmlns:p="http://schemas.openxmlformats.org/presentationml/2006/main" saveSubsetFonts="1">
+<p:presentation xmlns:a="http://schemas.openxmlformats.org/drawingml/2006/main" xmlns:r="http://schemas.openxmlformats.org/officeDocument/2006/relationships" xmlns:p="http://schemas.openxmlformats.org/presentationml/2006/main" serverZoom="20094" saveSubsetFonts="1">
   <p:sldMasterIdLst>
     <p:sldMasterId id="2147483660" r:id="rId1"/>
   </p:sldMasterIdLst>
@@ -227,7 +227,7 @@
           <a:p>
             <a:fld id="{B4679477-F6D6-4189-921E-EBC714585431}" type="datetimeFigureOut">
               <a:rPr lang="en-US" smtClean="0"/>
-              <a:t>5/19/2012</a:t>
+              <a:t>5/20/2012</a:t>
             </a:fld>
             <a:endParaRPr lang="en-US"/>
           </a:p>
@@ -453,7 +453,7 @@
           <a:p>
             <a:fld id="{B4679477-F6D6-4189-921E-EBC714585431}" type="datetimeFigureOut">
               <a:rPr lang="en-US" smtClean="0"/>
-              <a:t>5/19/2012</a:t>
+              <a:t>5/20/2012</a:t>
             </a:fld>
             <a:endParaRPr lang="en-US"/>
           </a:p>
@@ -628,7 +628,7 @@
           <a:p>
             <a:fld id="{B4679477-F6D6-4189-921E-EBC714585431}" type="datetimeFigureOut">
               <a:rPr lang="en-US" smtClean="0"/>
-              <a:t>5/19/2012</a:t>
+              <a:t>5/20/2012</a:t>
             </a:fld>
             <a:endParaRPr lang="en-US"/>
           </a:p>
@@ -793,7 +793,7 @@
           <a:p>
             <a:fld id="{B4679477-F6D6-4189-921E-EBC714585431}" type="datetimeFigureOut">
               <a:rPr lang="en-US" smtClean="0"/>
-              <a:t>5/19/2012</a:t>
+              <a:t>5/20/2012</a:t>
             </a:fld>
             <a:endParaRPr lang="en-US"/>
           </a:p>
@@ -1037,7 +1037,7 @@
           <a:p>
             <a:fld id="{B4679477-F6D6-4189-921E-EBC714585431}" type="datetimeFigureOut">
               <a:rPr lang="en-US" smtClean="0"/>
-              <a:t>5/19/2012</a:t>
+              <a:t>5/20/2012</a:t>
             </a:fld>
             <a:endParaRPr lang="en-US"/>
           </a:p>
@@ -1301,7 +1301,7 @@
           <a:p>
             <a:fld id="{B4679477-F6D6-4189-921E-EBC714585431}" type="datetimeFigureOut">
               <a:rPr lang="en-US" smtClean="0"/>
-              <a:t>5/19/2012</a:t>
+              <a:t>5/20/2012</a:t>
             </a:fld>
             <a:endParaRPr lang="en-US"/>
           </a:p>
@@ -1675,7 +1675,7 @@
           <a:p>
             <a:fld id="{B4679477-F6D6-4189-921E-EBC714585431}" type="datetimeFigureOut">
               <a:rPr lang="en-US" smtClean="0"/>
-              <a:t>5/19/2012</a:t>
+              <a:t>5/20/2012</a:t>
             </a:fld>
             <a:endParaRPr lang="en-US"/>
           </a:p>
@@ -1788,7 +1788,7 @@
           <a:p>
             <a:fld id="{B4679477-F6D6-4189-921E-EBC714585431}" type="datetimeFigureOut">
               <a:rPr lang="en-US" smtClean="0"/>
-              <a:t>5/19/2012</a:t>
+              <a:t>5/20/2012</a:t>
             </a:fld>
             <a:endParaRPr lang="en-US"/>
           </a:p>
@@ -1878,7 +1878,7 @@
           <a:p>
             <a:fld id="{B4679477-F6D6-4189-921E-EBC714585431}" type="datetimeFigureOut">
               <a:rPr lang="en-US" smtClean="0"/>
-              <a:t>5/19/2012</a:t>
+              <a:t>5/20/2012</a:t>
             </a:fld>
             <a:endParaRPr lang="en-US"/>
           </a:p>
@@ -2136,7 +2136,7 @@
           <a:p>
             <a:fld id="{B4679477-F6D6-4189-921E-EBC714585431}" type="datetimeFigureOut">
               <a:rPr lang="en-US" smtClean="0"/>
-              <a:t>5/19/2012</a:t>
+              <a:t>5/20/2012</a:t>
             </a:fld>
             <a:endParaRPr lang="en-US"/>
           </a:p>
@@ -2400,7 +2400,7 @@
           <a:p>
             <a:fld id="{B4679477-F6D6-4189-921E-EBC714585431}" type="datetimeFigureOut">
               <a:rPr lang="en-US" smtClean="0"/>
-              <a:t>5/19/2012</a:t>
+              <a:t>5/20/2012</a:t>
             </a:fld>
             <a:endParaRPr lang="en-US"/>
           </a:p>
@@ -2617,7 +2617,7 @@
           <a:p>
             <a:fld id="{B4679477-F6D6-4189-921E-EBC714585431}" type="datetimeFigureOut">
               <a:rPr lang="en-US" smtClean="0"/>
-              <a:t>5/19/2012</a:t>
+              <a:t>5/20/2012</a:t>
             </a:fld>
             <a:endParaRPr lang="en-US"/>
           </a:p>
@@ -3179,7 +3179,11 @@
           <a:p>
             <a:r>
               <a:rPr lang="en-US" dirty="0" smtClean="0"/>
-              <a:t>I didn’t learn anything new, I make much more complex programs than this on a regular basis</a:t>
+              <a:t>I didn’t learn anything new, I </a:t>
+            </a:r>
+            <a:r>
+              <a:rPr lang="en-US" dirty="0" smtClean="0"/>
+              <a:t>just reapplied knowledge from previous programs that I have written</a:t>
             </a:r>
             <a:endParaRPr lang="en-US" dirty="0"/>
           </a:p>
